--- a/project-1/slides/act-or-sat.pptx
+++ b/project-1/slides/act-or-sat.pptx
@@ -13318,7 +13318,7 @@
                 <a:latin typeface="Thasadith" pitchFamily="2" charset="-34"/>
                 <a:cs typeface="Thasadith" pitchFamily="2" charset="-34"/>
               </a:rPr>
-              <a:t>ACT scores 2017 - 2019</a:t>
+              <a:t>ACT mean scores by state 2017 - 2019</a:t>
             </a:r>
           </a:p>
           <a:p>
@@ -13340,7 +13340,7 @@
                 <a:latin typeface="Thasadith" pitchFamily="2" charset="-34"/>
                 <a:cs typeface="Thasadith" pitchFamily="2" charset="-34"/>
               </a:rPr>
-              <a:t>SAT scores 2017 - 2019</a:t>
+              <a:t>SAT mean scores by state 2017 - 2019</a:t>
             </a:r>
           </a:p>
         </p:txBody>
